--- a/clases/Cap02_Extraccion_de_Caracteristicas/presentations/PAT02_QuizTexturas.pptx
+++ b/clases/Cap02_Extraccion_de_Caracteristicas/presentations/PAT02_QuizTexturas.pptx
@@ -7,6 +7,7 @@
   <p:sldIdLst>
     <p:sldId id="258" r:id="rId2"/>
     <p:sldId id="256" r:id="rId3"/>
+    <p:sldId id="259" r:id="rId4"/>
   </p:sldIdLst>
   <p:sldSz cx="12192000" cy="6858000"/>
   <p:notesSz cx="6858000" cy="9144000"/>
@@ -105,6 +106,11 @@
       </a:defRPr>
     </a:lvl9pPr>
   </p:defaultTextStyle>
+  <p:extLst>
+    <p:ext uri="{EFAFB233-063F-42B5-8137-9DF3F51BA10A}">
+      <p15:sldGuideLst xmlns:p15="http://schemas.microsoft.com/office/powerpoint/2012/main"/>
+    </p:ext>
+  </p:extLst>
 </p:presentation>
 </file>
 
@@ -3098,6 +3104,13 @@
   <p:clrMapOvr>
     <a:masterClrMapping/>
   </p:clrMapOvr>
+  <p:timing>
+    <p:tnLst>
+      <p:par>
+        <p:cTn id="1" dur="indefinite" restart="never" nodeType="tmRoot"/>
+      </p:par>
+    </p:tnLst>
+  </p:timing>
 </p:sld>
 </file>
 
@@ -3823,6 +3836,1325 @@
     <p:extLst>
       <p:ext uri="{BB962C8B-B14F-4D97-AF65-F5344CB8AC3E}">
         <p14:creationId xmlns:p14="http://schemas.microsoft.com/office/powerpoint/2010/main" val="1695206642"/>
+      </p:ext>
+    </p:extLst>
+  </p:cSld>
+  <p:clrMapOvr>
+    <a:masterClrMapping/>
+  </p:clrMapOvr>
+  <p:timing>
+    <p:tnLst>
+      <p:par>
+        <p:cTn id="1" dur="indefinite" restart="never" nodeType="tmRoot"/>
+      </p:par>
+    </p:tnLst>
+  </p:timing>
+</p:sld>
+</file>
+
+<file path=ppt/slides/slide3.xml><?xml version="1.0" encoding="utf-8"?>
+<p:sld xmlns:a="http://schemas.openxmlformats.org/drawingml/2006/main" xmlns:r="http://schemas.openxmlformats.org/officeDocument/2006/relationships" xmlns:p="http://schemas.openxmlformats.org/presentationml/2006/main">
+  <p:cSld>
+    <p:spTree>
+      <p:nvGrpSpPr>
+        <p:cNvPr id="1" name=""/>
+        <p:cNvGrpSpPr/>
+        <p:nvPr/>
+      </p:nvGrpSpPr>
+      <p:grpSpPr>
+        <a:xfrm>
+          <a:off x="0" y="0"/>
+          <a:ext cx="0" cy="0"/>
+          <a:chOff x="0" y="0"/>
+          <a:chExt cx="0" cy="0"/>
+        </a:xfrm>
+      </p:grpSpPr>
+      <p:sp>
+        <p:nvSpPr>
+          <p:cNvPr id="2" name="Title 1"/>
+          <p:cNvSpPr>
+            <a:spLocks noGrp="1"/>
+          </p:cNvSpPr>
+          <p:nvPr>
+            <p:ph type="title"/>
+          </p:nvPr>
+        </p:nvSpPr>
+        <p:spPr/>
+        <p:txBody>
+          <a:bodyPr/>
+          <a:lstStyle/>
+          <a:p>
+            <a:r>
+              <a:rPr lang="en-US" dirty="0" err="1" smtClean="0"/>
+              <a:t>Preguntas</a:t>
+            </a:r>
+            <a:endParaRPr lang="en-US" dirty="0"/>
+          </a:p>
+        </p:txBody>
+      </p:sp>
+      <p:graphicFrame>
+        <p:nvGraphicFramePr>
+          <p:cNvPr id="4" name="Content Placeholder 3"/>
+          <p:cNvGraphicFramePr>
+            <a:graphicFrameLocks noGrp="1"/>
+          </p:cNvGraphicFramePr>
+          <p:nvPr>
+            <p:ph idx="1"/>
+            <p:extLst>
+              <p:ext uri="{D42A27DB-BD31-4B8C-83A1-F6EECF244321}">
+                <p14:modId xmlns:p14="http://schemas.microsoft.com/office/powerpoint/2010/main" val="891562645"/>
+              </p:ext>
+            </p:extLst>
+          </p:nvPr>
+        </p:nvGraphicFramePr>
+        <p:xfrm>
+          <a:off x="838202" y="1797803"/>
+          <a:ext cx="10832020" cy="1844298"/>
+        </p:xfrm>
+        <a:graphic>
+          <a:graphicData uri="http://schemas.openxmlformats.org/drawingml/2006/table">
+            <a:tbl>
+              <a:tblPr>
+                <a:tableStyleId>{5C22544A-7EE6-4342-B048-85BDC9FD1C3A}</a:tableStyleId>
+              </a:tblPr>
+              <a:tblGrid>
+                <a:gridCol w="1083202"/>
+                <a:gridCol w="1083202"/>
+                <a:gridCol w="1083202"/>
+                <a:gridCol w="1083202"/>
+                <a:gridCol w="1083202"/>
+                <a:gridCol w="1083202"/>
+                <a:gridCol w="1083202"/>
+                <a:gridCol w="1083202"/>
+                <a:gridCol w="1083202"/>
+                <a:gridCol w="1083202"/>
+              </a:tblGrid>
+              <a:tr h="1844298">
+                <a:tc>
+                  <a:txBody>
+                    <a:bodyPr/>
+                    <a:lstStyle/>
+                    <a:p>
+                      <a:pPr algn="ctr" fontAlgn="b"/>
+                      <a:r>
+                        <a:rPr lang="en-US" sz="1200" u="none" strike="noStrike" dirty="0">
+                          <a:effectLst/>
+                        </a:rPr>
+                        <a:t>Los </a:t>
+                      </a:r>
+                      <a:r>
+                        <a:rPr lang="en-US" sz="1200" u="none" strike="noStrike" dirty="0" err="1">
+                          <a:effectLst/>
+                        </a:rPr>
+                        <a:t>descriptores</a:t>
+                      </a:r>
+                      <a:r>
+                        <a:rPr lang="en-US" sz="1200" u="none" strike="noStrike" dirty="0">
+                          <a:effectLst/>
+                        </a:rPr>
+                        <a:t> </a:t>
+                      </a:r>
+                      <a:r>
+                        <a:rPr lang="en-US" sz="1200" u="none" strike="noStrike" dirty="0" err="1">
+                          <a:effectLst/>
+                        </a:rPr>
+                        <a:t>estándar</a:t>
+                      </a:r>
+                      <a:r>
+                        <a:rPr lang="en-US" sz="1200" u="none" strike="noStrike" dirty="0">
+                          <a:effectLst/>
+                        </a:rPr>
+                        <a:t> LBP(A) y LBP(B) de 59 </a:t>
+                      </a:r>
+                      <a:r>
+                        <a:rPr lang="en-US" sz="1200" u="none" strike="noStrike" dirty="0" err="1">
+                          <a:effectLst/>
+                        </a:rPr>
+                        <a:t>elementos</a:t>
+                      </a:r>
+                      <a:r>
+                        <a:rPr lang="en-US" sz="1200" u="none" strike="noStrike" dirty="0">
+                          <a:effectLst/>
+                        </a:rPr>
+                        <a:t> son </a:t>
+                      </a:r>
+                      <a:r>
+                        <a:rPr lang="en-US" sz="1200" u="none" strike="noStrike" dirty="0" err="1">
+                          <a:effectLst/>
+                        </a:rPr>
+                        <a:t>parecidos</a:t>
+                      </a:r>
+                      <a:endParaRPr lang="en-US" sz="1200" b="0" i="0" u="none" strike="noStrike" dirty="0">
+                        <a:solidFill>
+                          <a:srgbClr val="000000"/>
+                        </a:solidFill>
+                        <a:effectLst/>
+                        <a:latin typeface="Arial" charset="0"/>
+                      </a:endParaRPr>
+                    </a:p>
+                  </a:txBody>
+                  <a:tcPr marL="1481" marR="1481" marT="1481" marB="0" anchor="b"/>
+                </a:tc>
+                <a:tc>
+                  <a:txBody>
+                    <a:bodyPr/>
+                    <a:lstStyle/>
+                    <a:p>
+                      <a:pPr algn="ctr" fontAlgn="b"/>
+                      <a:r>
+                        <a:rPr lang="en-US" sz="1200" u="none" strike="noStrike" dirty="0">
+                          <a:effectLst/>
+                        </a:rPr>
+                        <a:t>Los </a:t>
+                      </a:r>
+                      <a:r>
+                        <a:rPr lang="en-US" sz="1200" u="none" strike="noStrike" dirty="0" err="1">
+                          <a:effectLst/>
+                        </a:rPr>
+                        <a:t>descriptores</a:t>
+                      </a:r>
+                      <a:r>
+                        <a:rPr lang="en-US" sz="1200" u="none" strike="noStrike" dirty="0">
+                          <a:effectLst/>
+                        </a:rPr>
+                        <a:t> </a:t>
+                      </a:r>
+                      <a:r>
+                        <a:rPr lang="en-US" sz="1200" u="none" strike="noStrike" dirty="0" err="1">
+                          <a:effectLst/>
+                        </a:rPr>
+                        <a:t>estándar</a:t>
+                      </a:r>
+                      <a:r>
+                        <a:rPr lang="en-US" sz="1200" u="none" strike="noStrike" dirty="0">
+                          <a:effectLst/>
+                        </a:rPr>
+                        <a:t> LBP(A) y LBP(C) de 59 </a:t>
+                      </a:r>
+                      <a:r>
+                        <a:rPr lang="en-US" sz="1200" u="none" strike="noStrike" dirty="0" err="1">
+                          <a:effectLst/>
+                        </a:rPr>
+                        <a:t>elementos</a:t>
+                      </a:r>
+                      <a:r>
+                        <a:rPr lang="en-US" sz="1200" u="none" strike="noStrike" dirty="0">
+                          <a:effectLst/>
+                        </a:rPr>
+                        <a:t> son </a:t>
+                      </a:r>
+                      <a:r>
+                        <a:rPr lang="en-US" sz="1200" u="none" strike="noStrike" dirty="0" err="1">
+                          <a:effectLst/>
+                        </a:rPr>
+                        <a:t>parecidos</a:t>
+                      </a:r>
+                      <a:endParaRPr lang="en-US" sz="1200" b="0" i="0" u="none" strike="noStrike" dirty="0">
+                        <a:solidFill>
+                          <a:srgbClr val="000000"/>
+                        </a:solidFill>
+                        <a:effectLst/>
+                        <a:latin typeface="Arial" charset="0"/>
+                      </a:endParaRPr>
+                    </a:p>
+                  </a:txBody>
+                  <a:tcPr marL="1481" marR="1481" marT="1481" marB="0" anchor="b"/>
+                </a:tc>
+                <a:tc>
+                  <a:txBody>
+                    <a:bodyPr/>
+                    <a:lstStyle/>
+                    <a:p>
+                      <a:pPr algn="ctr" fontAlgn="b"/>
+                      <a:r>
+                        <a:rPr lang="en-US" sz="1200" u="none" strike="noStrike" dirty="0">
+                          <a:effectLst/>
+                        </a:rPr>
+                        <a:t>Los </a:t>
+                      </a:r>
+                      <a:r>
+                        <a:rPr lang="en-US" sz="1200" u="none" strike="noStrike" dirty="0" err="1">
+                          <a:effectLst/>
+                        </a:rPr>
+                        <a:t>descriptores</a:t>
+                      </a:r>
+                      <a:r>
+                        <a:rPr lang="en-US" sz="1200" u="none" strike="noStrike" dirty="0">
+                          <a:effectLst/>
+                        </a:rPr>
+                        <a:t> </a:t>
+                      </a:r>
+                      <a:r>
+                        <a:rPr lang="en-US" sz="1200" u="none" strike="noStrike" dirty="0" err="1">
+                          <a:effectLst/>
+                        </a:rPr>
+                        <a:t>estándar</a:t>
+                      </a:r>
+                      <a:r>
+                        <a:rPr lang="en-US" sz="1200" u="none" strike="noStrike" dirty="0">
+                          <a:effectLst/>
+                        </a:rPr>
+                        <a:t> LBP(A) y LBP(D) de 59 </a:t>
+                      </a:r>
+                      <a:r>
+                        <a:rPr lang="en-US" sz="1200" u="none" strike="noStrike" dirty="0" err="1">
+                          <a:effectLst/>
+                        </a:rPr>
+                        <a:t>elementos</a:t>
+                      </a:r>
+                      <a:r>
+                        <a:rPr lang="en-US" sz="1200" u="none" strike="noStrike" dirty="0">
+                          <a:effectLst/>
+                        </a:rPr>
+                        <a:t> son </a:t>
+                      </a:r>
+                      <a:r>
+                        <a:rPr lang="en-US" sz="1200" u="none" strike="noStrike" dirty="0" err="1">
+                          <a:effectLst/>
+                        </a:rPr>
+                        <a:t>parecidos</a:t>
+                      </a:r>
+                      <a:endParaRPr lang="en-US" sz="1200" b="0" i="0" u="none" strike="noStrike" dirty="0">
+                        <a:solidFill>
+                          <a:srgbClr val="000000"/>
+                        </a:solidFill>
+                        <a:effectLst/>
+                        <a:latin typeface="Arial" charset="0"/>
+                      </a:endParaRPr>
+                    </a:p>
+                  </a:txBody>
+                  <a:tcPr marL="1481" marR="1481" marT="1481" marB="0" anchor="b"/>
+                </a:tc>
+                <a:tc>
+                  <a:txBody>
+                    <a:bodyPr/>
+                    <a:lstStyle/>
+                    <a:p>
+                      <a:pPr algn="ctr" fontAlgn="b"/>
+                      <a:r>
+                        <a:rPr lang="en-US" sz="1200" u="none" strike="noStrike" dirty="0">
+                          <a:effectLst/>
+                        </a:rPr>
+                        <a:t>Los </a:t>
+                      </a:r>
+                      <a:r>
+                        <a:rPr lang="en-US" sz="1200" u="none" strike="noStrike" dirty="0" err="1">
+                          <a:effectLst/>
+                        </a:rPr>
+                        <a:t>descriptores</a:t>
+                      </a:r>
+                      <a:r>
+                        <a:rPr lang="en-US" sz="1200" u="none" strike="noStrike" dirty="0">
+                          <a:effectLst/>
+                        </a:rPr>
+                        <a:t> </a:t>
+                      </a:r>
+                      <a:r>
+                        <a:rPr lang="en-US" sz="1200" u="none" strike="noStrike" dirty="0" err="1">
+                          <a:effectLst/>
+                        </a:rPr>
+                        <a:t>LBP_ri</a:t>
+                      </a:r>
+                      <a:r>
+                        <a:rPr lang="en-US" sz="1200" u="none" strike="noStrike" dirty="0">
+                          <a:effectLst/>
+                        </a:rPr>
+                        <a:t>(A) y </a:t>
+                      </a:r>
+                      <a:r>
+                        <a:rPr lang="en-US" sz="1200" u="none" strike="noStrike" dirty="0" err="1">
+                          <a:effectLst/>
+                        </a:rPr>
+                        <a:t>LBP_ri</a:t>
+                      </a:r>
+                      <a:r>
+                        <a:rPr lang="en-US" sz="1200" u="none" strike="noStrike" dirty="0">
+                          <a:effectLst/>
+                        </a:rPr>
+                        <a:t>(B) de 36 </a:t>
+                      </a:r>
+                      <a:r>
+                        <a:rPr lang="en-US" sz="1200" u="none" strike="noStrike" dirty="0" err="1">
+                          <a:effectLst/>
+                        </a:rPr>
+                        <a:t>elementos</a:t>
+                      </a:r>
+                      <a:r>
+                        <a:rPr lang="en-US" sz="1200" u="none" strike="noStrike" dirty="0">
+                          <a:effectLst/>
+                        </a:rPr>
+                        <a:t> son </a:t>
+                      </a:r>
+                      <a:r>
+                        <a:rPr lang="en-US" sz="1200" u="none" strike="noStrike" dirty="0" err="1">
+                          <a:effectLst/>
+                        </a:rPr>
+                        <a:t>parecidos</a:t>
+                      </a:r>
+                      <a:endParaRPr lang="en-US" sz="1200" b="0" i="0" u="none" strike="noStrike" dirty="0">
+                        <a:solidFill>
+                          <a:srgbClr val="000000"/>
+                        </a:solidFill>
+                        <a:effectLst/>
+                        <a:latin typeface="Arial" charset="0"/>
+                      </a:endParaRPr>
+                    </a:p>
+                  </a:txBody>
+                  <a:tcPr marL="1481" marR="1481" marT="1481" marB="0" anchor="b"/>
+                </a:tc>
+                <a:tc>
+                  <a:txBody>
+                    <a:bodyPr/>
+                    <a:lstStyle/>
+                    <a:p>
+                      <a:pPr algn="ctr" fontAlgn="b"/>
+                      <a:r>
+                        <a:rPr lang="en-US" sz="1200" u="none" strike="noStrike" dirty="0">
+                          <a:effectLst/>
+                        </a:rPr>
+                        <a:t>Los </a:t>
+                      </a:r>
+                      <a:r>
+                        <a:rPr lang="en-US" sz="1200" u="none" strike="noStrike" dirty="0" err="1">
+                          <a:effectLst/>
+                        </a:rPr>
+                        <a:t>descriptores</a:t>
+                      </a:r>
+                      <a:r>
+                        <a:rPr lang="en-US" sz="1200" u="none" strike="noStrike" dirty="0">
+                          <a:effectLst/>
+                        </a:rPr>
+                        <a:t> </a:t>
+                      </a:r>
+                      <a:r>
+                        <a:rPr lang="en-US" sz="1200" u="none" strike="noStrike" dirty="0" err="1">
+                          <a:effectLst/>
+                        </a:rPr>
+                        <a:t>LBP_ri</a:t>
+                      </a:r>
+                      <a:r>
+                        <a:rPr lang="en-US" sz="1200" u="none" strike="noStrike" dirty="0">
+                          <a:effectLst/>
+                        </a:rPr>
+                        <a:t>(A) y </a:t>
+                      </a:r>
+                      <a:r>
+                        <a:rPr lang="en-US" sz="1200" u="none" strike="noStrike" dirty="0" err="1">
+                          <a:effectLst/>
+                        </a:rPr>
+                        <a:t>LBP_ri</a:t>
+                      </a:r>
+                      <a:r>
+                        <a:rPr lang="en-US" sz="1200" u="none" strike="noStrike" dirty="0">
+                          <a:effectLst/>
+                        </a:rPr>
+                        <a:t>(C) de 36 </a:t>
+                      </a:r>
+                      <a:r>
+                        <a:rPr lang="en-US" sz="1200" u="none" strike="noStrike" dirty="0" err="1">
+                          <a:effectLst/>
+                        </a:rPr>
+                        <a:t>elementos</a:t>
+                      </a:r>
+                      <a:r>
+                        <a:rPr lang="en-US" sz="1200" u="none" strike="noStrike" dirty="0">
+                          <a:effectLst/>
+                        </a:rPr>
+                        <a:t> son </a:t>
+                      </a:r>
+                      <a:r>
+                        <a:rPr lang="en-US" sz="1200" u="none" strike="noStrike" dirty="0" err="1">
+                          <a:effectLst/>
+                        </a:rPr>
+                        <a:t>parecidos</a:t>
+                      </a:r>
+                      <a:endParaRPr lang="en-US" sz="1200" b="0" i="0" u="none" strike="noStrike" dirty="0">
+                        <a:solidFill>
+                          <a:srgbClr val="000000"/>
+                        </a:solidFill>
+                        <a:effectLst/>
+                        <a:latin typeface="Arial" charset="0"/>
+                      </a:endParaRPr>
+                    </a:p>
+                  </a:txBody>
+                  <a:tcPr marL="1481" marR="1481" marT="1481" marB="0" anchor="b"/>
+                </a:tc>
+                <a:tc>
+                  <a:txBody>
+                    <a:bodyPr/>
+                    <a:lstStyle/>
+                    <a:p>
+                      <a:pPr algn="ctr" fontAlgn="b"/>
+                      <a:r>
+                        <a:rPr lang="en-US" sz="1200" u="none" strike="noStrike" dirty="0">
+                          <a:effectLst/>
+                        </a:rPr>
+                        <a:t>La </a:t>
+                      </a:r>
+                      <a:r>
+                        <a:rPr lang="en-US" sz="1200" u="none" strike="noStrike" dirty="0" err="1">
+                          <a:effectLst/>
+                        </a:rPr>
+                        <a:t>matriz</a:t>
+                      </a:r>
+                      <a:r>
+                        <a:rPr lang="en-US" sz="1200" u="none" strike="noStrike" dirty="0">
+                          <a:effectLst/>
+                        </a:rPr>
+                        <a:t> de co-</a:t>
+                      </a:r>
+                      <a:r>
+                        <a:rPr lang="en-US" sz="1200" u="none" strike="noStrike" dirty="0" err="1">
+                          <a:effectLst/>
+                        </a:rPr>
+                        <a:t>ocurrencia</a:t>
+                      </a:r>
+                      <a:r>
+                        <a:rPr lang="en-US" sz="1200" u="none" strike="noStrike" dirty="0">
+                          <a:effectLst/>
+                        </a:rPr>
+                        <a:t> P_(0,1) para la imagen A </a:t>
+                      </a:r>
+                      <a:r>
+                        <a:rPr lang="en-US" sz="1200" u="none" strike="noStrike" dirty="0" err="1">
+                          <a:effectLst/>
+                        </a:rPr>
+                        <a:t>es</a:t>
+                      </a:r>
+                      <a:r>
+                        <a:rPr lang="en-US" sz="1200" u="none" strike="noStrike" dirty="0">
+                          <a:effectLst/>
+                        </a:rPr>
+                        <a:t> </a:t>
+                      </a:r>
+                      <a:r>
+                        <a:rPr lang="en-US" sz="1200" u="none" strike="noStrike" dirty="0" err="1">
+                          <a:effectLst/>
+                        </a:rPr>
+                        <a:t>parecida</a:t>
+                      </a:r>
+                      <a:r>
+                        <a:rPr lang="en-US" sz="1200" u="none" strike="noStrike" dirty="0">
+                          <a:effectLst/>
+                        </a:rPr>
+                        <a:t> a la </a:t>
+                      </a:r>
+                      <a:r>
+                        <a:rPr lang="en-US" sz="1200" u="none" strike="noStrike" dirty="0" err="1">
+                          <a:effectLst/>
+                        </a:rPr>
+                        <a:t>matriz</a:t>
+                      </a:r>
+                      <a:r>
+                        <a:rPr lang="en-US" sz="1200" u="none" strike="noStrike" dirty="0">
+                          <a:effectLst/>
+                        </a:rPr>
+                        <a:t> de co-</a:t>
+                      </a:r>
+                      <a:r>
+                        <a:rPr lang="en-US" sz="1200" u="none" strike="noStrike" dirty="0" err="1">
+                          <a:effectLst/>
+                        </a:rPr>
+                        <a:t>ocurrencia</a:t>
+                      </a:r>
+                      <a:r>
+                        <a:rPr lang="en-US" sz="1200" u="none" strike="noStrike" dirty="0">
+                          <a:effectLst/>
+                        </a:rPr>
+                        <a:t> P_(0,1) para la imagen B</a:t>
+                      </a:r>
+                      <a:endParaRPr lang="en-US" sz="1200" b="0" i="0" u="none" strike="noStrike" dirty="0">
+                        <a:solidFill>
+                          <a:srgbClr val="000000"/>
+                        </a:solidFill>
+                        <a:effectLst/>
+                        <a:latin typeface="Arial" charset="0"/>
+                      </a:endParaRPr>
+                    </a:p>
+                  </a:txBody>
+                  <a:tcPr marL="1481" marR="1481" marT="1481" marB="0" anchor="b"/>
+                </a:tc>
+                <a:tc>
+                  <a:txBody>
+                    <a:bodyPr/>
+                    <a:lstStyle/>
+                    <a:p>
+                      <a:pPr algn="ctr" fontAlgn="b"/>
+                      <a:r>
+                        <a:rPr lang="en-US" sz="1200" u="none" strike="noStrike" dirty="0">
+                          <a:effectLst/>
+                        </a:rPr>
+                        <a:t>La </a:t>
+                      </a:r>
+                      <a:r>
+                        <a:rPr lang="en-US" sz="1200" u="none" strike="noStrike" dirty="0" err="1">
+                          <a:effectLst/>
+                        </a:rPr>
+                        <a:t>matriz</a:t>
+                      </a:r>
+                      <a:r>
+                        <a:rPr lang="en-US" sz="1200" u="none" strike="noStrike" dirty="0">
+                          <a:effectLst/>
+                        </a:rPr>
+                        <a:t> de co-</a:t>
+                      </a:r>
+                      <a:r>
+                        <a:rPr lang="en-US" sz="1200" u="none" strike="noStrike" dirty="0" err="1">
+                          <a:effectLst/>
+                        </a:rPr>
+                        <a:t>ocurrencia</a:t>
+                      </a:r>
+                      <a:r>
+                        <a:rPr lang="en-US" sz="1200" u="none" strike="noStrike" dirty="0">
+                          <a:effectLst/>
+                        </a:rPr>
+                        <a:t> P_(0,1) para la imagen A </a:t>
+                      </a:r>
+                      <a:r>
+                        <a:rPr lang="en-US" sz="1200" u="none" strike="noStrike" dirty="0" err="1">
+                          <a:effectLst/>
+                        </a:rPr>
+                        <a:t>es</a:t>
+                      </a:r>
+                      <a:r>
+                        <a:rPr lang="en-US" sz="1200" u="none" strike="noStrike" dirty="0">
+                          <a:effectLst/>
+                        </a:rPr>
+                        <a:t> </a:t>
+                      </a:r>
+                      <a:r>
+                        <a:rPr lang="en-US" sz="1200" u="none" strike="noStrike" dirty="0" err="1">
+                          <a:effectLst/>
+                        </a:rPr>
+                        <a:t>parecida</a:t>
+                      </a:r>
+                      <a:r>
+                        <a:rPr lang="en-US" sz="1200" u="none" strike="noStrike" dirty="0">
+                          <a:effectLst/>
+                        </a:rPr>
+                        <a:t> a la </a:t>
+                      </a:r>
+                      <a:r>
+                        <a:rPr lang="en-US" sz="1200" u="none" strike="noStrike" dirty="0" err="1">
+                          <a:effectLst/>
+                        </a:rPr>
+                        <a:t>matriz</a:t>
+                      </a:r>
+                      <a:r>
+                        <a:rPr lang="en-US" sz="1200" u="none" strike="noStrike" dirty="0">
+                          <a:effectLst/>
+                        </a:rPr>
+                        <a:t> de co-</a:t>
+                      </a:r>
+                      <a:r>
+                        <a:rPr lang="en-US" sz="1200" u="none" strike="noStrike" dirty="0" err="1">
+                          <a:effectLst/>
+                        </a:rPr>
+                        <a:t>ocurrencia</a:t>
+                      </a:r>
+                      <a:r>
+                        <a:rPr lang="en-US" sz="1200" u="none" strike="noStrike" dirty="0">
+                          <a:effectLst/>
+                        </a:rPr>
+                        <a:t> P_(0,1) para la imagen C</a:t>
+                      </a:r>
+                      <a:endParaRPr lang="en-US" sz="1200" b="0" i="0" u="none" strike="noStrike" dirty="0">
+                        <a:solidFill>
+                          <a:srgbClr val="000000"/>
+                        </a:solidFill>
+                        <a:effectLst/>
+                        <a:latin typeface="Arial" charset="0"/>
+                      </a:endParaRPr>
+                    </a:p>
+                  </a:txBody>
+                  <a:tcPr marL="1481" marR="1481" marT="1481" marB="0" anchor="b"/>
+                </a:tc>
+                <a:tc>
+                  <a:txBody>
+                    <a:bodyPr/>
+                    <a:lstStyle/>
+                    <a:p>
+                      <a:pPr algn="ctr" fontAlgn="b"/>
+                      <a:r>
+                        <a:rPr lang="en-US" sz="1200" u="none" strike="noStrike" dirty="0">
+                          <a:effectLst/>
+                        </a:rPr>
+                        <a:t>La </a:t>
+                      </a:r>
+                      <a:r>
+                        <a:rPr lang="en-US" sz="1200" u="none" strike="noStrike" dirty="0" err="1">
+                          <a:effectLst/>
+                        </a:rPr>
+                        <a:t>matriz</a:t>
+                      </a:r>
+                      <a:r>
+                        <a:rPr lang="en-US" sz="1200" u="none" strike="noStrike" dirty="0">
+                          <a:effectLst/>
+                        </a:rPr>
+                        <a:t> de co-</a:t>
+                      </a:r>
+                      <a:r>
+                        <a:rPr lang="en-US" sz="1200" u="none" strike="noStrike" dirty="0" err="1">
+                          <a:effectLst/>
+                        </a:rPr>
+                        <a:t>ocurrencia</a:t>
+                      </a:r>
+                      <a:r>
+                        <a:rPr lang="en-US" sz="1200" u="none" strike="noStrike" dirty="0">
+                          <a:effectLst/>
+                        </a:rPr>
+                        <a:t> P_(0,-1) para la imagen A </a:t>
+                      </a:r>
+                      <a:r>
+                        <a:rPr lang="en-US" sz="1200" u="none" strike="noStrike" dirty="0" err="1">
+                          <a:effectLst/>
+                        </a:rPr>
+                        <a:t>es</a:t>
+                      </a:r>
+                      <a:r>
+                        <a:rPr lang="en-US" sz="1200" u="none" strike="noStrike" dirty="0">
+                          <a:effectLst/>
+                        </a:rPr>
+                        <a:t> </a:t>
+                      </a:r>
+                      <a:r>
+                        <a:rPr lang="en-US" sz="1200" u="none" strike="noStrike" dirty="0" err="1">
+                          <a:effectLst/>
+                        </a:rPr>
+                        <a:t>parecida</a:t>
+                      </a:r>
+                      <a:r>
+                        <a:rPr lang="en-US" sz="1200" u="none" strike="noStrike" dirty="0">
+                          <a:effectLst/>
+                        </a:rPr>
+                        <a:t> a la </a:t>
+                      </a:r>
+                      <a:r>
+                        <a:rPr lang="en-US" sz="1200" u="none" strike="noStrike" dirty="0" err="1">
+                          <a:effectLst/>
+                        </a:rPr>
+                        <a:t>matriz</a:t>
+                      </a:r>
+                      <a:r>
+                        <a:rPr lang="en-US" sz="1200" u="none" strike="noStrike" dirty="0">
+                          <a:effectLst/>
+                        </a:rPr>
+                        <a:t> de co-</a:t>
+                      </a:r>
+                      <a:r>
+                        <a:rPr lang="en-US" sz="1200" u="none" strike="noStrike" dirty="0" err="1">
+                          <a:effectLst/>
+                        </a:rPr>
+                        <a:t>ocurrencia</a:t>
+                      </a:r>
+                      <a:r>
+                        <a:rPr lang="en-US" sz="1200" u="none" strike="noStrike" dirty="0">
+                          <a:effectLst/>
+                        </a:rPr>
+                        <a:t> P_(0,-1) para la imagen D</a:t>
+                      </a:r>
+                      <a:endParaRPr lang="en-US" sz="1200" b="0" i="0" u="none" strike="noStrike" dirty="0">
+                        <a:solidFill>
+                          <a:srgbClr val="000000"/>
+                        </a:solidFill>
+                        <a:effectLst/>
+                        <a:latin typeface="Arial" charset="0"/>
+                      </a:endParaRPr>
+                    </a:p>
+                  </a:txBody>
+                  <a:tcPr marL="1481" marR="1481" marT="1481" marB="0" anchor="b"/>
+                </a:tc>
+                <a:tc>
+                  <a:txBody>
+                    <a:bodyPr/>
+                    <a:lstStyle/>
+                    <a:p>
+                      <a:pPr algn="ctr" fontAlgn="b"/>
+                      <a:r>
+                        <a:rPr lang="en-US" sz="1200" u="none" strike="noStrike" dirty="0">
+                          <a:effectLst/>
+                        </a:rPr>
+                        <a:t>La </a:t>
+                      </a:r>
+                      <a:r>
+                        <a:rPr lang="en-US" sz="1200" u="none" strike="noStrike" dirty="0" err="1">
+                          <a:effectLst/>
+                        </a:rPr>
+                        <a:t>matriz</a:t>
+                      </a:r>
+                      <a:r>
+                        <a:rPr lang="en-US" sz="1200" u="none" strike="noStrike" dirty="0">
+                          <a:effectLst/>
+                        </a:rPr>
+                        <a:t> de co-</a:t>
+                      </a:r>
+                      <a:r>
+                        <a:rPr lang="en-US" sz="1200" u="none" strike="noStrike" dirty="0" err="1">
+                          <a:effectLst/>
+                        </a:rPr>
+                        <a:t>ocurrencia</a:t>
+                      </a:r>
+                      <a:r>
+                        <a:rPr lang="en-US" sz="1200" u="none" strike="noStrike" dirty="0">
+                          <a:effectLst/>
+                        </a:rPr>
+                        <a:t> P_(0,1) para la imagen A </a:t>
+                      </a:r>
+                      <a:r>
+                        <a:rPr lang="en-US" sz="1200" u="none" strike="noStrike" dirty="0" err="1">
+                          <a:effectLst/>
+                        </a:rPr>
+                        <a:t>es</a:t>
+                      </a:r>
+                      <a:r>
+                        <a:rPr lang="en-US" sz="1200" u="none" strike="noStrike" dirty="0">
+                          <a:effectLst/>
+                        </a:rPr>
+                        <a:t> </a:t>
+                      </a:r>
+                      <a:r>
+                        <a:rPr lang="en-US" sz="1200" u="none" strike="noStrike" dirty="0" err="1">
+                          <a:effectLst/>
+                        </a:rPr>
+                        <a:t>parecida</a:t>
+                      </a:r>
+                      <a:r>
+                        <a:rPr lang="en-US" sz="1200" u="none" strike="noStrike" dirty="0">
+                          <a:effectLst/>
+                        </a:rPr>
+                        <a:t> a la </a:t>
+                      </a:r>
+                      <a:r>
+                        <a:rPr lang="en-US" sz="1200" u="none" strike="noStrike" dirty="0" err="1">
+                          <a:effectLst/>
+                        </a:rPr>
+                        <a:t>matriz</a:t>
+                      </a:r>
+                      <a:r>
+                        <a:rPr lang="en-US" sz="1200" u="none" strike="noStrike" dirty="0">
+                          <a:effectLst/>
+                        </a:rPr>
+                        <a:t> de co-</a:t>
+                      </a:r>
+                      <a:r>
+                        <a:rPr lang="en-US" sz="1200" u="none" strike="noStrike" dirty="0" err="1">
+                          <a:effectLst/>
+                        </a:rPr>
+                        <a:t>ocurrencia</a:t>
+                      </a:r>
+                      <a:r>
+                        <a:rPr lang="en-US" sz="1200" u="none" strike="noStrike" dirty="0">
+                          <a:effectLst/>
+                        </a:rPr>
+                        <a:t> P_(1,0) para la imagen C</a:t>
+                      </a:r>
+                      <a:endParaRPr lang="en-US" sz="1200" b="0" i="0" u="none" strike="noStrike" dirty="0">
+                        <a:solidFill>
+                          <a:srgbClr val="000000"/>
+                        </a:solidFill>
+                        <a:effectLst/>
+                        <a:latin typeface="Arial" charset="0"/>
+                      </a:endParaRPr>
+                    </a:p>
+                  </a:txBody>
+                  <a:tcPr marL="1481" marR="1481" marT="1481" marB="0" anchor="b"/>
+                </a:tc>
+                <a:tc>
+                  <a:txBody>
+                    <a:bodyPr/>
+                    <a:lstStyle/>
+                    <a:p>
+                      <a:pPr algn="ctr" fontAlgn="b"/>
+                      <a:r>
+                        <a:rPr lang="en-US" sz="1200" u="none" strike="noStrike" dirty="0">
+                          <a:effectLst/>
+                        </a:rPr>
+                        <a:t>El </a:t>
+                      </a:r>
+                      <a:r>
+                        <a:rPr lang="en-US" sz="1200" u="none" strike="noStrike" dirty="0" err="1">
+                          <a:effectLst/>
+                        </a:rPr>
+                        <a:t>contraste</a:t>
+                      </a:r>
+                      <a:r>
+                        <a:rPr lang="en-US" sz="1200" u="none" strike="noStrike" dirty="0">
+                          <a:effectLst/>
+                        </a:rPr>
+                        <a:t> de la </a:t>
+                      </a:r>
+                      <a:r>
+                        <a:rPr lang="en-US" sz="1200" u="none" strike="noStrike" dirty="0" err="1">
+                          <a:effectLst/>
+                        </a:rPr>
+                        <a:t>matriz</a:t>
+                      </a:r>
+                      <a:r>
+                        <a:rPr lang="en-US" sz="1200" u="none" strike="noStrike" dirty="0">
+                          <a:effectLst/>
+                        </a:rPr>
+                        <a:t> de co-</a:t>
+                      </a:r>
+                      <a:r>
+                        <a:rPr lang="en-US" sz="1200" u="none" strike="noStrike" dirty="0" err="1">
+                          <a:effectLst/>
+                        </a:rPr>
+                        <a:t>ocurrencia</a:t>
+                      </a:r>
+                      <a:r>
+                        <a:rPr lang="en-US" sz="1200" u="none" strike="noStrike" dirty="0">
+                          <a:effectLst/>
+                        </a:rPr>
+                        <a:t> P_(0,2) para la imagen E </a:t>
+                      </a:r>
+                      <a:r>
+                        <a:rPr lang="en-US" sz="1200" u="none" strike="noStrike" dirty="0" err="1">
+                          <a:effectLst/>
+                        </a:rPr>
+                        <a:t>es</a:t>
+                      </a:r>
+                      <a:r>
+                        <a:rPr lang="en-US" sz="1200" u="none" strike="noStrike" dirty="0">
+                          <a:effectLst/>
+                        </a:rPr>
+                        <a:t> alto</a:t>
+                      </a:r>
+                      <a:endParaRPr lang="en-US" sz="1200" b="0" i="0" u="none" strike="noStrike" dirty="0">
+                        <a:solidFill>
+                          <a:srgbClr val="000000"/>
+                        </a:solidFill>
+                        <a:effectLst/>
+                        <a:latin typeface="Arial" charset="0"/>
+                      </a:endParaRPr>
+                    </a:p>
+                  </a:txBody>
+                  <a:tcPr marL="1481" marR="1481" marT="1481" marB="0" anchor="b"/>
+                </a:tc>
+              </a:tr>
+            </a:tbl>
+          </a:graphicData>
+        </a:graphic>
+      </p:graphicFrame>
+      <p:graphicFrame>
+        <p:nvGraphicFramePr>
+          <p:cNvPr id="5" name="Content Placeholder 3"/>
+          <p:cNvGraphicFramePr>
+            <a:graphicFrameLocks/>
+          </p:cNvGraphicFramePr>
+          <p:nvPr>
+            <p:extLst>
+              <p:ext uri="{D42A27DB-BD31-4B8C-83A1-F6EECF244321}">
+                <p14:modId xmlns:p14="http://schemas.microsoft.com/office/powerpoint/2010/main" val="923324156"/>
+              </p:ext>
+            </p:extLst>
+          </p:nvPr>
+        </p:nvGraphicFramePr>
+        <p:xfrm>
+          <a:off x="838200" y="4034649"/>
+          <a:ext cx="10832023" cy="2823351"/>
+        </p:xfrm>
+        <a:graphic>
+          <a:graphicData uri="http://schemas.openxmlformats.org/drawingml/2006/table">
+            <a:tbl>
+              <a:tblPr>
+                <a:tableStyleId>{5C22544A-7EE6-4342-B048-85BDC9FD1C3A}</a:tableStyleId>
+              </a:tblPr>
+              <a:tblGrid>
+                <a:gridCol w="928607"/>
+                <a:gridCol w="898901"/>
+                <a:gridCol w="976394"/>
+                <a:gridCol w="1162373"/>
+                <a:gridCol w="1208867"/>
+                <a:gridCol w="1146875"/>
+                <a:gridCol w="1224366"/>
+                <a:gridCol w="1177871"/>
+                <a:gridCol w="1115878"/>
+                <a:gridCol w="991891"/>
+              </a:tblGrid>
+              <a:tr h="2823351">
+                <a:tc>
+                  <a:txBody>
+                    <a:bodyPr/>
+                    <a:lstStyle/>
+                    <a:p>
+                      <a:pPr algn="ctr" fontAlgn="b"/>
+                      <a:r>
+                        <a:rPr lang="en-US" sz="1200" u="none" strike="noStrike" dirty="0">
+                          <a:effectLst/>
+                        </a:rPr>
+                        <a:t>El </a:t>
+                      </a:r>
+                      <a:r>
+                        <a:rPr lang="en-US" sz="1200" u="none" strike="noStrike" dirty="0" err="1">
+                          <a:effectLst/>
+                        </a:rPr>
+                        <a:t>contraste</a:t>
+                      </a:r>
+                      <a:r>
+                        <a:rPr lang="en-US" sz="1200" u="none" strike="noStrike" dirty="0">
+                          <a:effectLst/>
+                        </a:rPr>
+                        <a:t> de la </a:t>
+                      </a:r>
+                      <a:r>
+                        <a:rPr lang="en-US" sz="1200" u="none" strike="noStrike" dirty="0" err="1">
+                          <a:effectLst/>
+                        </a:rPr>
+                        <a:t>matriz</a:t>
+                      </a:r>
+                      <a:r>
+                        <a:rPr lang="en-US" sz="1200" u="none" strike="noStrike" dirty="0">
+                          <a:effectLst/>
+                        </a:rPr>
+                        <a:t> de co-</a:t>
+                      </a:r>
+                      <a:r>
+                        <a:rPr lang="en-US" sz="1200" u="none" strike="noStrike" dirty="0" err="1">
+                          <a:effectLst/>
+                        </a:rPr>
+                        <a:t>ocurrencia</a:t>
+                      </a:r>
+                      <a:r>
+                        <a:rPr lang="en-US" sz="1200" u="none" strike="noStrike" dirty="0">
+                          <a:effectLst/>
+                        </a:rPr>
+                        <a:t> P_(2,0) para la imagen E </a:t>
+                      </a:r>
+                      <a:r>
+                        <a:rPr lang="en-US" sz="1200" u="none" strike="noStrike" dirty="0" err="1">
+                          <a:effectLst/>
+                        </a:rPr>
+                        <a:t>es</a:t>
+                      </a:r>
+                      <a:r>
+                        <a:rPr lang="en-US" sz="1200" u="none" strike="noStrike" dirty="0">
+                          <a:effectLst/>
+                        </a:rPr>
+                        <a:t> alto</a:t>
+                      </a:r>
+                      <a:endParaRPr lang="en-US" sz="1200" b="0" i="0" u="none" strike="noStrike" dirty="0">
+                        <a:solidFill>
+                          <a:srgbClr val="000000"/>
+                        </a:solidFill>
+                        <a:effectLst/>
+                        <a:latin typeface="Arial" charset="0"/>
+                      </a:endParaRPr>
+                    </a:p>
+                  </a:txBody>
+                  <a:tcPr marL="1481" marR="1481" marT="1481" marB="0" anchor="b"/>
+                </a:tc>
+                <a:tc>
+                  <a:txBody>
+                    <a:bodyPr/>
+                    <a:lstStyle/>
+                    <a:p>
+                      <a:pPr algn="ctr" fontAlgn="b"/>
+                      <a:r>
+                        <a:rPr lang="en-US" sz="1200" u="none" strike="noStrike">
+                          <a:effectLst/>
+                        </a:rPr>
+                        <a:t>El 'moment of inverse difference' de la matriz de co-ocurrencia P_(1,1) para la imagen F es alto</a:t>
+                      </a:r>
+                      <a:endParaRPr lang="en-US" sz="1200" b="0" i="0" u="none" strike="noStrike">
+                        <a:solidFill>
+                          <a:srgbClr val="000000"/>
+                        </a:solidFill>
+                        <a:effectLst/>
+                        <a:latin typeface="Arial" charset="0"/>
+                      </a:endParaRPr>
+                    </a:p>
+                  </a:txBody>
+                  <a:tcPr marL="1481" marR="1481" marT="1481" marB="0" anchor="b"/>
+                </a:tc>
+                <a:tc>
+                  <a:txBody>
+                    <a:bodyPr/>
+                    <a:lstStyle/>
+                    <a:p>
+                      <a:pPr algn="ctr" fontAlgn="b"/>
+                      <a:r>
+                        <a:rPr lang="en-US" sz="1200" u="none" strike="noStrike">
+                          <a:effectLst/>
+                        </a:rPr>
+                        <a:t>El 'moment of inverse difference' de la matriz de co-ocurrencia P_(1,-1) para la imagen F es alto</a:t>
+                      </a:r>
+                      <a:endParaRPr lang="en-US" sz="1200" b="0" i="0" u="none" strike="noStrike">
+                        <a:solidFill>
+                          <a:srgbClr val="000000"/>
+                        </a:solidFill>
+                        <a:effectLst/>
+                        <a:latin typeface="Arial" charset="0"/>
+                      </a:endParaRPr>
+                    </a:p>
+                  </a:txBody>
+                  <a:tcPr marL="1481" marR="1481" marT="1481" marB="0" anchor="b"/>
+                </a:tc>
+                <a:tc>
+                  <a:txBody>
+                    <a:bodyPr/>
+                    <a:lstStyle/>
+                    <a:p>
+                      <a:pPr algn="ctr" fontAlgn="b"/>
+                      <a:r>
+                        <a:rPr lang="en-US" sz="1200" u="none" strike="noStrike" dirty="0">
+                          <a:effectLst/>
+                        </a:rPr>
+                        <a:t>La </a:t>
+                      </a:r>
+                      <a:r>
+                        <a:rPr lang="en-US" sz="1200" u="none" strike="noStrike" dirty="0" err="1">
+                          <a:effectLst/>
+                        </a:rPr>
+                        <a:t>energía</a:t>
+                      </a:r>
+                      <a:r>
+                        <a:rPr lang="en-US" sz="1200" u="none" strike="noStrike" dirty="0">
+                          <a:effectLst/>
+                        </a:rPr>
+                        <a:t> de la </a:t>
+                      </a:r>
+                      <a:r>
+                        <a:rPr lang="en-US" sz="1200" u="none" strike="noStrike" dirty="0" err="1">
+                          <a:effectLst/>
+                        </a:rPr>
+                        <a:t>matriz</a:t>
+                      </a:r>
+                      <a:r>
+                        <a:rPr lang="en-US" sz="1200" u="none" strike="noStrike" dirty="0">
+                          <a:effectLst/>
+                        </a:rPr>
+                        <a:t> de co-</a:t>
+                      </a:r>
+                      <a:r>
+                        <a:rPr lang="en-US" sz="1200" u="none" strike="noStrike" dirty="0" err="1">
+                          <a:effectLst/>
+                        </a:rPr>
+                        <a:t>ocurrencia</a:t>
+                      </a:r>
+                      <a:r>
+                        <a:rPr lang="en-US" sz="1200" u="none" strike="noStrike" dirty="0">
+                          <a:effectLst/>
+                        </a:rPr>
+                        <a:t> P_(0,1) de las </a:t>
+                      </a:r>
+                      <a:r>
+                        <a:rPr lang="en-US" sz="1200" u="none" strike="noStrike" dirty="0" err="1">
+                          <a:effectLst/>
+                        </a:rPr>
+                        <a:t>imágenes</a:t>
+                      </a:r>
+                      <a:r>
+                        <a:rPr lang="en-US" sz="1200" u="none" strike="noStrike" dirty="0">
+                          <a:effectLst/>
+                        </a:rPr>
+                        <a:t> E y G son </a:t>
+                      </a:r>
+                      <a:r>
+                        <a:rPr lang="en-US" sz="1200" u="none" strike="noStrike" dirty="0" err="1">
+                          <a:effectLst/>
+                        </a:rPr>
+                        <a:t>similares</a:t>
+                      </a:r>
+                      <a:endParaRPr lang="en-US" sz="1200" b="0" i="0" u="none" strike="noStrike" dirty="0">
+                        <a:solidFill>
+                          <a:srgbClr val="000000"/>
+                        </a:solidFill>
+                        <a:effectLst/>
+                        <a:latin typeface="Arial" charset="0"/>
+                      </a:endParaRPr>
+                    </a:p>
+                  </a:txBody>
+                  <a:tcPr marL="1481" marR="1481" marT="1481" marB="0" anchor="b"/>
+                </a:tc>
+                <a:tc>
+                  <a:txBody>
+                    <a:bodyPr/>
+                    <a:lstStyle/>
+                    <a:p>
+                      <a:pPr algn="ctr" fontAlgn="b"/>
+                      <a:r>
+                        <a:rPr lang="en-US" sz="1200" u="none" strike="noStrike">
+                          <a:effectLst/>
+                        </a:rPr>
+                        <a:t>Usando la máscara de Gabor de la figura H, la característica de Gabor para la figura E es alto</a:t>
+                      </a:r>
+                      <a:endParaRPr lang="en-US" sz="1200" b="0" i="0" u="none" strike="noStrike">
+                        <a:solidFill>
+                          <a:srgbClr val="000000"/>
+                        </a:solidFill>
+                        <a:effectLst/>
+                        <a:latin typeface="Arial" charset="0"/>
+                      </a:endParaRPr>
+                    </a:p>
+                  </a:txBody>
+                  <a:tcPr marL="1481" marR="1481" marT="1481" marB="0" anchor="b"/>
+                </a:tc>
+                <a:tc>
+                  <a:txBody>
+                    <a:bodyPr/>
+                    <a:lstStyle/>
+                    <a:p>
+                      <a:pPr algn="ctr" fontAlgn="b"/>
+                      <a:r>
+                        <a:rPr lang="en-US" sz="1200" u="none" strike="noStrike">
+                          <a:effectLst/>
+                        </a:rPr>
+                        <a:t>Usando la máscara de Gabor de la figura H, la característica de Gabor para la figura F es alto</a:t>
+                      </a:r>
+                      <a:endParaRPr lang="en-US" sz="1200" b="0" i="0" u="none" strike="noStrike">
+                        <a:solidFill>
+                          <a:srgbClr val="000000"/>
+                        </a:solidFill>
+                        <a:effectLst/>
+                        <a:latin typeface="Arial" charset="0"/>
+                      </a:endParaRPr>
+                    </a:p>
+                  </a:txBody>
+                  <a:tcPr marL="1481" marR="1481" marT="1481" marB="0" anchor="b"/>
+                </a:tc>
+                <a:tc>
+                  <a:txBody>
+                    <a:bodyPr/>
+                    <a:lstStyle/>
+                    <a:p>
+                      <a:pPr algn="ctr" fontAlgn="b"/>
+                      <a:r>
+                        <a:rPr lang="en-US" sz="1200" u="none" strike="noStrike">
+                          <a:effectLst/>
+                        </a:rPr>
+                        <a:t>Si construimos un descriptor de Gabor extrayendo de una imagen 64 características de Gabor (8 escalas y 8 orientaciones), el descriptor es invariante a la rotación</a:t>
+                      </a:r>
+                      <a:endParaRPr lang="en-US" sz="1200" b="0" i="0" u="none" strike="noStrike">
+                        <a:solidFill>
+                          <a:srgbClr val="000000"/>
+                        </a:solidFill>
+                        <a:effectLst/>
+                        <a:latin typeface="Arial" charset="0"/>
+                      </a:endParaRPr>
+                    </a:p>
+                  </a:txBody>
+                  <a:tcPr marL="1481" marR="1481" marT="1481" marB="0" anchor="b"/>
+                </a:tc>
+                <a:tc>
+                  <a:txBody>
+                    <a:bodyPr/>
+                    <a:lstStyle/>
+                    <a:p>
+                      <a:pPr algn="ctr" fontAlgn="b"/>
+                      <a:r>
+                        <a:rPr lang="en-US" sz="1200" u="none" strike="noStrike">
+                          <a:effectLst/>
+                        </a:rPr>
+                        <a:t>Si construimos un descriptor de Gabor extrayendo de una imagen 64 características de Gabor (8 escalas y 8 orientaciones), y como características esogemos el máximo... Esta característica es invariante a la rotación</a:t>
+                      </a:r>
+                      <a:endParaRPr lang="en-US" sz="1200" b="0" i="0" u="none" strike="noStrike">
+                        <a:solidFill>
+                          <a:srgbClr val="000000"/>
+                        </a:solidFill>
+                        <a:effectLst/>
+                        <a:latin typeface="Arial" charset="0"/>
+                      </a:endParaRPr>
+                    </a:p>
+                  </a:txBody>
+                  <a:tcPr marL="1481" marR="1481" marT="1481" marB="0" anchor="b"/>
+                </a:tc>
+                <a:tc>
+                  <a:txBody>
+                    <a:bodyPr/>
+                    <a:lstStyle/>
+                    <a:p>
+                      <a:pPr algn="ctr" fontAlgn="b"/>
+                      <a:r>
+                        <a:rPr lang="en-US" sz="1200" u="none" strike="noStrike">
+                          <a:effectLst/>
+                        </a:rPr>
+                        <a:t>Para la figura J: la entropía calculada de la matriz de co-ocurrencia P_(1,1) y la entropía calculada de la matriz de co-ocurrencia P_(-1,1) son similares</a:t>
+                      </a:r>
+                      <a:endParaRPr lang="en-US" sz="1200" b="0" i="0" u="none" strike="noStrike">
+                        <a:solidFill>
+                          <a:srgbClr val="000000"/>
+                        </a:solidFill>
+                        <a:effectLst/>
+                        <a:latin typeface="Arial" charset="0"/>
+                      </a:endParaRPr>
+                    </a:p>
+                  </a:txBody>
+                  <a:tcPr marL="1481" marR="1481" marT="1481" marB="0" anchor="b"/>
+                </a:tc>
+                <a:tc>
+                  <a:txBody>
+                    <a:bodyPr/>
+                    <a:lstStyle/>
+                    <a:p>
+                      <a:pPr algn="ctr" fontAlgn="b"/>
+                      <a:r>
+                        <a:rPr lang="en-US" sz="1200" u="none" strike="noStrike" dirty="0">
+                          <a:effectLst/>
+                        </a:rPr>
+                        <a:t>Los </a:t>
+                      </a:r>
+                      <a:r>
+                        <a:rPr lang="en-US" sz="1200" u="none" strike="noStrike" dirty="0" err="1">
+                          <a:effectLst/>
+                        </a:rPr>
+                        <a:t>descriptores</a:t>
+                      </a:r>
+                      <a:r>
+                        <a:rPr lang="en-US" sz="1200" u="none" strike="noStrike" dirty="0">
+                          <a:effectLst/>
+                        </a:rPr>
+                        <a:t> </a:t>
+                      </a:r>
+                      <a:r>
+                        <a:rPr lang="en-US" sz="1200" u="none" strike="noStrike" dirty="0" err="1">
+                          <a:effectLst/>
+                        </a:rPr>
+                        <a:t>LBP_ri</a:t>
+                      </a:r>
+                      <a:r>
+                        <a:rPr lang="en-US" sz="1200" u="none" strike="noStrike" dirty="0">
+                          <a:effectLst/>
+                        </a:rPr>
+                        <a:t> de las </a:t>
+                      </a:r>
+                      <a:r>
+                        <a:rPr lang="en-US" sz="1200" u="none" strike="noStrike" dirty="0" err="1">
+                          <a:effectLst/>
+                        </a:rPr>
+                        <a:t>figuras</a:t>
+                      </a:r>
+                      <a:r>
+                        <a:rPr lang="en-US" sz="1200" u="none" strike="noStrike" dirty="0">
+                          <a:effectLst/>
+                        </a:rPr>
+                        <a:t> E y J son </a:t>
+                      </a:r>
+                      <a:r>
+                        <a:rPr lang="en-US" sz="1200" u="none" strike="noStrike" dirty="0" err="1">
+                          <a:effectLst/>
+                        </a:rPr>
+                        <a:t>parecidos</a:t>
+                      </a:r>
+                      <a:endParaRPr lang="en-US" sz="1200" b="0" i="0" u="none" strike="noStrike" dirty="0">
+                        <a:solidFill>
+                          <a:srgbClr val="000000"/>
+                        </a:solidFill>
+                        <a:effectLst/>
+                        <a:latin typeface="Arial" charset="0"/>
+                      </a:endParaRPr>
+                    </a:p>
+                  </a:txBody>
+                  <a:tcPr marL="1481" marR="1481" marT="1481" marB="0" anchor="b"/>
+                </a:tc>
+              </a:tr>
+            </a:tbl>
+          </a:graphicData>
+        </a:graphic>
+      </p:graphicFrame>
+    </p:spTree>
+    <p:extLst>
+      <p:ext uri="{BB962C8B-B14F-4D97-AF65-F5344CB8AC3E}">
+        <p14:creationId xmlns:p14="http://schemas.microsoft.com/office/powerpoint/2010/main" val="1915704543"/>
       </p:ext>
     </p:extLst>
   </p:cSld>
